--- a/Orde_insercion.pptx
+++ b/Orde_insercion.pptx
@@ -106,6 +106,11 @@
       </a:defRPr>
     </a:lvl9pPr>
   </p:defaultTextStyle>
+  <p:extLst>
+    <p:ext uri="{EFAFB233-063F-42B5-8137-9DF3F51BA10A}">
+      <p15:sldGuideLst xmlns:p15="http://schemas.microsoft.com/office/powerpoint/2012/main"/>
+    </p:ext>
+  </p:extLst>
 </p:presentation>
 </file>
 
@@ -3472,8 +3477,8 @@
         </p:nvSpPr>
         <p:spPr>
           <a:xfrm>
-            <a:off x="2547256" y="274684"/>
-            <a:ext cx="8806543" cy="763879"/>
+            <a:off x="-181396" y="379290"/>
+            <a:ext cx="7579902" cy="765166"/>
           </a:xfrm>
         </p:spPr>
         <p:txBody>
@@ -3482,15 +3487,16 @@
           </a:bodyPr>
           <a:lstStyle/>
           <a:p>
-            <a:r>
-              <a:rPr lang="es-ES" sz="4800" b="1" dirty="0">
+            <a:pPr algn="ctr"/>
+            <a:r>
+              <a:rPr lang="es-ES" sz="4000" b="1" dirty="0">
                 <a:solidFill>
                   <a:schemeClr val="bg1"/>
                 </a:solidFill>
               </a:rPr>
               <a:t>ORDENAMIENTO POR INSERCIÓN </a:t>
             </a:r>
-            <a:endParaRPr lang="es-PE" sz="4800" b="1" dirty="0">
+            <a:endParaRPr lang="es-PE" sz="4000" b="1" dirty="0">
               <a:solidFill>
                 <a:schemeClr val="bg1"/>
               </a:solidFill>
@@ -3534,7 +3540,7 @@
                 <a:effectLst/>
                 <a:latin typeface="Baskerville Old Face" panose="02020602080505020303" pitchFamily="18" charset="0"/>
               </a:rPr>
-              <a:t>es una manera muy natural de ordenar para un ser humano y puede usarse fácilmente para ordenar un mazo de cartas numeradas en forma arbitraria. Requiere o(n</a:t>
+              <a:t>es una manera muy natural de ordenar para un ser humano y puede usarse fácilmente para ordenar un mazo de cartas numeradas en forma arbitraria. Requiere 0(n</a:t>
             </a:r>
             <a:r>
               <a:rPr lang="es-PE" sz="3200" b="1" i="0" dirty="0">
@@ -3564,7 +3570,43 @@
                 </a:solidFill>
                 <a:latin typeface="Baskerville Old Face" panose="02020602080505020303" pitchFamily="18" charset="0"/>
               </a:rPr>
-              <a:t> es un conjunto ordenado. Después, cuando hay  k elementos ordenados de menor a mayor se toma el elemento k + 1 y se compara con todos los elementos ya ordenados,detenindose cuando se encuentra un elemento menor (todos los elementos mayores han sido desplazados una posición a la derecha) o cuando ya no se encuentran elementos</a:t>
+              <a:t> es un conjunto ordenado. Después, cuando hay  </a:t>
+            </a:r>
+            <a:r>
+              <a:rPr lang="es-ES" sz="3200" b="1" dirty="0">
+                <a:solidFill>
+                  <a:srgbClr val="FF0000"/>
+                </a:solidFill>
+                <a:latin typeface="Baskerville Old Face" panose="02020602080505020303" pitchFamily="18" charset="0"/>
+              </a:rPr>
+              <a:t>k</a:t>
+            </a:r>
+            <a:r>
+              <a:rPr lang="es-ES" sz="3200" b="1" dirty="0">
+                <a:solidFill>
+                  <a:schemeClr val="bg1"/>
+                </a:solidFill>
+                <a:latin typeface="Baskerville Old Face" panose="02020602080505020303" pitchFamily="18" charset="0"/>
+              </a:rPr>
+              <a:t> elementos ordenados de menor a mayor se toma el elemento </a:t>
+            </a:r>
+            <a:r>
+              <a:rPr lang="es-ES" sz="3200" b="1" dirty="0">
+                <a:solidFill>
+                  <a:srgbClr val="FF0000"/>
+                </a:solidFill>
+                <a:latin typeface="Baskerville Old Face" panose="02020602080505020303" pitchFamily="18" charset="0"/>
+              </a:rPr>
+              <a:t>k + 1 </a:t>
+            </a:r>
+            <a:r>
+              <a:rPr lang="es-ES" sz="3200" b="1" dirty="0">
+                <a:solidFill>
+                  <a:schemeClr val="bg1"/>
+                </a:solidFill>
+                <a:latin typeface="Baskerville Old Face" panose="02020602080505020303" pitchFamily="18" charset="0"/>
+              </a:rPr>
+              <a:t>y se compara con todos los elementos ya ordenados, deteniéndose cuando se encuentra un elemento menor (todos los elementos mayores han sido desplazados una posición a la derecha) o cuando ya no se encuentran elementos</a:t>
             </a:r>
             <a:r>
               <a:rPr lang="es-ES" b="1" dirty="0">
@@ -3599,9 +3641,9 @@
           <p:nvPr/>
         </p:nvSpPr>
         <p:spPr>
-          <a:xfrm flipV="1">
-            <a:off x="2547256" y="861408"/>
-            <a:ext cx="8107492" cy="45719"/>
+          <a:xfrm>
+            <a:off x="203915" y="1067171"/>
+            <a:ext cx="6809281" cy="77285"/>
           </a:xfrm>
           <a:prstGeom prst="rect">
             <a:avLst/>
@@ -3653,9 +3695,9 @@
           <p:nvPr/>
         </p:nvSpPr>
         <p:spPr>
-          <a:xfrm flipV="1">
-            <a:off x="2547256" y="251824"/>
-            <a:ext cx="8107492" cy="45719"/>
+          <a:xfrm>
+            <a:off x="203915" y="340647"/>
+            <a:ext cx="6809281" cy="77285"/>
           </a:xfrm>
           <a:prstGeom prst="rect">
             <a:avLst/>
@@ -3817,7 +3859,7 @@
         <p:spPr>
           <a:xfrm>
             <a:off x="596348" y="3262653"/>
-            <a:ext cx="5156751" cy="1457462"/>
+            <a:ext cx="5327373" cy="1457462"/>
           </a:xfrm>
           <a:prstGeom prst="rect">
             <a:avLst/>
@@ -3888,7 +3930,7 @@
         <p:spPr>
           <a:xfrm>
             <a:off x="596348" y="5035412"/>
-            <a:ext cx="5156751" cy="1457462"/>
+            <a:ext cx="5327373" cy="1457462"/>
           </a:xfrm>
           <a:prstGeom prst="rect">
             <a:avLst/>

--- a/Orde_insercion.pptx
+++ b/Orde_insercion.pptx
@@ -3528,12 +3528,12 @@
         </p:spPr>
         <p:txBody>
           <a:bodyPr>
-            <a:normAutofit fontScale="92500" lnSpcReduction="10000"/>
+            <a:normAutofit/>
           </a:bodyPr>
           <a:lstStyle/>
           <a:p>
             <a:r>
-              <a:rPr lang="es-ES" sz="3200" b="1" i="0" dirty="0">
+              <a:rPr lang="es-ES" sz="2700" b="1" i="0" dirty="0">
                 <a:solidFill>
                   <a:schemeClr val="bg1"/>
                 </a:solidFill>
@@ -3543,7 +3543,7 @@
               <a:t>es una manera muy natural de ordenar para un ser humano y puede usarse fácilmente para ordenar un mazo de cartas numeradas en forma arbitraria. Requiere 0(n</a:t>
             </a:r>
             <a:r>
-              <a:rPr lang="es-PE" sz="3200" b="1" i="0" dirty="0">
+              <a:rPr lang="es-PE" sz="2700" b="1" i="0" dirty="0">
                 <a:solidFill>
                   <a:schemeClr val="bg1"/>
                 </a:solidFill>
@@ -3555,7 +3555,7 @@
           </a:p>
           <a:p>
             <a:r>
-              <a:rPr lang="es-PE" sz="3200" b="1" dirty="0">
+              <a:rPr lang="es-PE" sz="2700" b="1" dirty="0">
                 <a:solidFill>
                   <a:schemeClr val="bg1"/>
                 </a:solidFill>
@@ -3564,7 +3564,7 @@
               <a:t>Inicialmente, se tiene un solo elemento que, obviamente,</a:t>
             </a:r>
             <a:r>
-              <a:rPr lang="es-ES" sz="3200" b="1" dirty="0">
+              <a:rPr lang="es-ES" sz="2700" b="1" dirty="0">
                 <a:solidFill>
                   <a:schemeClr val="bg1"/>
                 </a:solidFill>
@@ -3573,7 +3573,7 @@
               <a:t> es un conjunto ordenado. Después, cuando hay  </a:t>
             </a:r>
             <a:r>
-              <a:rPr lang="es-ES" sz="3200" b="1" dirty="0">
+              <a:rPr lang="es-ES" sz="2700" b="1" dirty="0">
                 <a:solidFill>
                   <a:srgbClr val="FF0000"/>
                 </a:solidFill>
@@ -3582,7 +3582,7 @@
               <a:t>k</a:t>
             </a:r>
             <a:r>
-              <a:rPr lang="es-ES" sz="3200" b="1" dirty="0">
+              <a:rPr lang="es-ES" sz="2700" b="1" dirty="0">
                 <a:solidFill>
                   <a:schemeClr val="bg1"/>
                 </a:solidFill>
@@ -3591,7 +3591,7 @@
               <a:t> elementos ordenados de menor a mayor se toma el elemento </a:t>
             </a:r>
             <a:r>
-              <a:rPr lang="es-ES" sz="3200" b="1" dirty="0">
+              <a:rPr lang="es-ES" sz="2700" b="1" dirty="0">
                 <a:solidFill>
                   <a:srgbClr val="FF0000"/>
                 </a:solidFill>
@@ -3600,22 +3600,13 @@
               <a:t>k + 1 </a:t>
             </a:r>
             <a:r>
-              <a:rPr lang="es-ES" sz="3200" b="1" dirty="0">
+              <a:rPr lang="es-ES" sz="2700" b="1" dirty="0">
                 <a:solidFill>
                   <a:schemeClr val="bg1"/>
                 </a:solidFill>
                 <a:latin typeface="Baskerville Old Face" panose="02020602080505020303" pitchFamily="18" charset="0"/>
               </a:rPr>
-              <a:t>y se compara con todos los elementos ya ordenados, deteniéndose cuando se encuentra un elemento menor (todos los elementos mayores han sido desplazados una posición a la derecha) o cuando ya no se encuentran elementos</a:t>
-            </a:r>
-            <a:r>
-              <a:rPr lang="es-ES" b="1" dirty="0">
-                <a:solidFill>
-                  <a:schemeClr val="bg1"/>
-                </a:solidFill>
-                <a:latin typeface="Baskerville Old Face" panose="02020602080505020303" pitchFamily="18" charset="0"/>
-              </a:rPr>
-              <a:t>.</a:t>
+              <a:t>y se compara con todos los elementos ya ordenados, deteniéndose cuando se encuentra un elemento menor (todos los elementos mayores han sido desplazados una posición a la derecha) o cuando ya no se encuentran elementos.</a:t>
             </a:r>
           </a:p>
           <a:p>
@@ -3937,6 +3928,60 @@
           </a:prstGeom>
         </p:spPr>
       </p:pic>
+      <p:sp>
+        <p:nvSpPr>
+          <p:cNvPr id="3" name="CuadroTexto 2">
+            <a:extLst>
+              <a:ext uri="{FF2B5EF4-FFF2-40B4-BE49-F238E27FC236}">
+                <a16:creationId xmlns:a16="http://schemas.microsoft.com/office/drawing/2014/main" id="{47877961-44AC-4A7E-81C5-1DA92E63B57A}"/>
+              </a:ext>
+            </a:extLst>
+          </p:cNvPr>
+          <p:cNvSpPr txBox="1"/>
+          <p:nvPr/>
+        </p:nvSpPr>
+        <p:spPr>
+          <a:xfrm>
+            <a:off x="6096000" y="4246105"/>
+            <a:ext cx="5262693" cy="2246769"/>
+          </a:xfrm>
+          <a:prstGeom prst="rect">
+            <a:avLst/>
+          </a:prstGeom>
+          <a:solidFill>
+            <a:schemeClr val="tx1"/>
+          </a:solidFill>
+        </p:spPr>
+        <p:txBody>
+          <a:bodyPr wrap="square" rtlCol="0">
+            <a:spAutoFit/>
+          </a:bodyPr>
+          <a:lstStyle/>
+          <a:p>
+            <a:r>
+              <a:rPr lang="es-ES" sz="2000" b="0" i="0" dirty="0">
+                <a:solidFill>
+                  <a:schemeClr val="bg1"/>
+                </a:solidFill>
+                <a:effectLst/>
+                <a:latin typeface="Google Sans"/>
+              </a:rPr>
+              <a:t>El algoritmo de ordenamiento por inserción es de fácil aplicación que permite el ordenamiento de una lista. Su funcionamiento consiste en el recorrido por la lista seleccionando en cada iteración un valor como clave y compararlo con el resto insertándolo en el lugar correspondiente</a:t>
+            </a:r>
+            <a:r>
+              <a:rPr lang="es-ES" b="0" i="0" dirty="0">
+                <a:solidFill>
+                  <a:srgbClr val="4D5156"/>
+                </a:solidFill>
+                <a:effectLst/>
+                <a:latin typeface="Google Sans"/>
+              </a:rPr>
+              <a:t>.</a:t>
+            </a:r>
+            <a:endParaRPr lang="es-PE" dirty="0"/>
+          </a:p>
+        </p:txBody>
+      </p:sp>
     </p:spTree>
     <p:extLst>
       <p:ext uri="{BB962C8B-B14F-4D97-AF65-F5344CB8AC3E}">
